--- a/presentations/Verifiable Delay Functions (VDF).pptx
+++ b/presentations/Verifiable Delay Functions (VDF).pptx
@@ -2141,8 +2141,8 @@
         </a:p>
       </dgm:t>
     </dgm:pt>
-    <mc:AlternateContent xmlns:mc="http://schemas.openxmlformats.org/markup-compatibility/2006">
-      <mc:Choice xmlns:a14="http://schemas.microsoft.com/office/drawing/2010/main" Requires="a14">
+    <mc:AlternateContent xmlns:mc="http://schemas.openxmlformats.org/markup-compatibility/2006" xmlns:a14="http://schemas.microsoft.com/office/drawing/2010/main">
+      <mc:Choice Requires="a14">
         <dgm:pt modelId="{3398E234-4BFE-4E99-A219-F08C9843FC33}">
           <dgm:prSet custT="1"/>
           <dgm:spPr/>
@@ -2314,7 +2314,7 @@
           </dgm:t>
         </dgm:pt>
       </mc:Choice>
-      <mc:Fallback>
+      <mc:Fallback xmlns="">
         <dgm:pt modelId="{3398E234-4BFE-4E99-A219-F08C9843FC33}">
           <dgm:prSet custT="1"/>
           <dgm:spPr/>
@@ -6498,7 +6498,7 @@
           <a:p>
             <a:fld id="{6A4B53A7-3209-46A6-9454-F38EAC8F11E7}" type="datetimeFigureOut">
               <a:rPr lang="en-US" smtClean="0"/>
-              <a:t>9/8/2021</a:t>
+              <a:t>11/9/2021</a:t>
             </a:fld>
             <a:endParaRPr lang="en-US"/>
           </a:p>
@@ -6749,7 +6749,7 @@
           <a:p>
             <a:fld id="{6A4B53A7-3209-46A6-9454-F38EAC8F11E7}" type="datetimeFigureOut">
               <a:rPr lang="en-US" smtClean="0"/>
-              <a:t>9/8/2021</a:t>
+              <a:t>11/9/2021</a:t>
             </a:fld>
             <a:endParaRPr lang="en-US"/>
           </a:p>
@@ -7010,7 +7010,7 @@
           <a:p>
             <a:fld id="{6A4B53A7-3209-46A6-9454-F38EAC8F11E7}" type="datetimeFigureOut">
               <a:rPr lang="en-US" smtClean="0"/>
-              <a:t>9/8/2021</a:t>
+              <a:t>11/9/2021</a:t>
             </a:fld>
             <a:endParaRPr lang="en-US"/>
           </a:p>
@@ -7261,7 +7261,7 @@
           <a:p>
             <a:fld id="{6A4B53A7-3209-46A6-9454-F38EAC8F11E7}" type="datetimeFigureOut">
               <a:rPr lang="en-US" smtClean="0"/>
-              <a:t>9/8/2021</a:t>
+              <a:t>11/9/2021</a:t>
             </a:fld>
             <a:endParaRPr lang="en-US"/>
           </a:p>
@@ -7589,7 +7589,7 @@
           <a:p>
             <a:fld id="{6A4B53A7-3209-46A6-9454-F38EAC8F11E7}" type="datetimeFigureOut">
               <a:rPr lang="en-US" smtClean="0"/>
-              <a:t>9/8/2021</a:t>
+              <a:t>11/9/2021</a:t>
             </a:fld>
             <a:endParaRPr lang="en-US"/>
           </a:p>
@@ -7907,7 +7907,7 @@
           <a:p>
             <a:fld id="{6A4B53A7-3209-46A6-9454-F38EAC8F11E7}" type="datetimeFigureOut">
               <a:rPr lang="en-US" smtClean="0"/>
-              <a:t>9/8/2021</a:t>
+              <a:t>11/9/2021</a:t>
             </a:fld>
             <a:endParaRPr lang="en-US"/>
           </a:p>
@@ -8372,7 +8372,7 @@
           <a:p>
             <a:fld id="{6A4B53A7-3209-46A6-9454-F38EAC8F11E7}" type="datetimeFigureOut">
               <a:rPr lang="en-US" smtClean="0"/>
-              <a:t>9/8/2021</a:t>
+              <a:t>11/9/2021</a:t>
             </a:fld>
             <a:endParaRPr lang="en-US"/>
           </a:p>
@@ -8566,7 +8566,7 @@
           <a:p>
             <a:fld id="{6A4B53A7-3209-46A6-9454-F38EAC8F11E7}" type="datetimeFigureOut">
               <a:rPr lang="en-US" smtClean="0"/>
-              <a:t>9/8/2021</a:t>
+              <a:t>11/9/2021</a:t>
             </a:fld>
             <a:endParaRPr lang="en-US"/>
           </a:p>
@@ -8732,7 +8732,7 @@
           <a:p>
             <a:fld id="{6A4B53A7-3209-46A6-9454-F38EAC8F11E7}" type="datetimeFigureOut">
               <a:rPr lang="en-US" smtClean="0"/>
-              <a:t>9/8/2021</a:t>
+              <a:t>11/9/2021</a:t>
             </a:fld>
             <a:endParaRPr lang="en-US"/>
           </a:p>
@@ -9096,7 +9096,7 @@
           <a:p>
             <a:fld id="{6A4B53A7-3209-46A6-9454-F38EAC8F11E7}" type="datetimeFigureOut">
               <a:rPr lang="en-US" smtClean="0"/>
-              <a:t>9/8/2021</a:t>
+              <a:t>11/9/2021</a:t>
             </a:fld>
             <a:endParaRPr lang="en-US"/>
           </a:p>
@@ -9440,7 +9440,7 @@
           <a:p>
             <a:fld id="{6A4B53A7-3209-46A6-9454-F38EAC8F11E7}" type="datetimeFigureOut">
               <a:rPr lang="en-US" smtClean="0"/>
-              <a:t>9/8/2021</a:t>
+              <a:t>11/9/2021</a:t>
             </a:fld>
             <a:endParaRPr lang="en-US"/>
           </a:p>
@@ -9735,7 +9735,7 @@
             <a:fld id="{6A4B53A7-3209-46A6-9454-F38EAC8F11E7}" type="datetimeFigureOut">
               <a:rPr lang="en-US" smtClean="0"/>
               <a:pPr/>
-              <a:t>9/8/2021</a:t>
+              <a:t>11/9/2021</a:t>
             </a:fld>
             <a:endParaRPr lang="en-US" dirty="0"/>
           </a:p>
@@ -10919,8 +10919,8 @@
           </a:p>
         </p:txBody>
       </p:sp>
-      <mc:AlternateContent xmlns:mc="http://schemas.openxmlformats.org/markup-compatibility/2006">
-        <mc:Choice xmlns:a14="http://schemas.microsoft.com/office/drawing/2010/main" Requires="a14">
+      <mc:AlternateContent xmlns:mc="http://schemas.openxmlformats.org/markup-compatibility/2006" xmlns:a14="http://schemas.microsoft.com/office/drawing/2010/main">
+        <mc:Choice Requires="a14">
           <p:sp>
             <p:nvSpPr>
               <p:cNvPr id="3" name="Marcador de contenido 2">
@@ -11439,7 +11439,7 @@
             </p:txBody>
           </p:sp>
         </mc:Choice>
-        <mc:Fallback>
+        <mc:Fallback xmlns="">
           <p:sp>
             <p:nvSpPr>
               <p:cNvPr id="3" name="Marcador de contenido 2">
@@ -11537,8 +11537,8 @@
           </a:p>
         </p:txBody>
       </p:sp>
-      <mc:AlternateContent xmlns:mc="http://schemas.openxmlformats.org/markup-compatibility/2006">
-        <mc:Choice xmlns:a14="http://schemas.microsoft.com/office/drawing/2010/main" Requires="a14">
+      <mc:AlternateContent xmlns:mc="http://schemas.openxmlformats.org/markup-compatibility/2006" xmlns:a14="http://schemas.microsoft.com/office/drawing/2010/main">
+        <mc:Choice Requires="a14">
           <p:sp>
             <p:nvSpPr>
               <p:cNvPr id="3" name="Marcador de contenido 2">
@@ -11718,7 +11718,7 @@
             </p:txBody>
           </p:sp>
         </mc:Choice>
-        <mc:Fallback>
+        <mc:Fallback xmlns="">
           <p:sp>
             <p:nvSpPr>
               <p:cNvPr id="3" name="Marcador de contenido 2">
@@ -11810,8 +11810,8 @@
                   <a:t>PROC </a:t>
                 </a:r>
                 <a:r>
-                  <a:rPr lang="es-CL" b="1" dirty="0"/>
-                  <a:t>Inicializar</a:t>
+                  <a:rPr lang="es-CL" b="1" dirty="0" err="1"/>
+                  <a:t>Initialize</a:t>
                 </a:r>
                 <a:r>
                   <a:rPr lang="es-CL" dirty="0"/>
@@ -11961,232 +11961,6 @@
         <mc:Choice xmlns:a14="http://schemas.microsoft.com/office/drawing/2010/main" Requires="a14">
           <p:sp>
             <p:nvSpPr>
-              <p:cNvPr id="5" name="Rectángulo: esquinas redondeadas 4">
-                <a:extLst>
-                  <a:ext uri="{FF2B5EF4-FFF2-40B4-BE49-F238E27FC236}">
-                    <a16:creationId xmlns:a16="http://schemas.microsoft.com/office/drawing/2014/main" id="{CBA7ECE0-F7E1-45D1-BD9A-EAEF16CDF850}"/>
-                  </a:ext>
-                </a:extLst>
-              </p:cNvPr>
-              <p:cNvSpPr/>
-              <p:nvPr/>
-            </p:nvSpPr>
-            <p:spPr>
-              <a:xfrm>
-                <a:off x="1828800" y="3643094"/>
-                <a:ext cx="2814221" cy="1296139"/>
-              </a:xfrm>
-              <a:prstGeom prst="roundRect">
-                <a:avLst/>
-              </a:prstGeom>
-            </p:spPr>
-            <p:style>
-              <a:lnRef idx="2">
-                <a:schemeClr val="accent1">
-                  <a:shade val="50000"/>
-                </a:schemeClr>
-              </a:lnRef>
-              <a:fillRef idx="1">
-                <a:schemeClr val="accent1"/>
-              </a:fillRef>
-              <a:effectRef idx="0">
-                <a:schemeClr val="accent1"/>
-              </a:effectRef>
-              <a:fontRef idx="minor">
-                <a:schemeClr val="lt1"/>
-              </a:fontRef>
-            </p:style>
-            <p:txBody>
-              <a:bodyPr rtlCol="0" anchor="ctr"/>
-              <a:lstStyle/>
-              <a:p>
-                <a:r>
-                  <a:rPr lang="es-CL" dirty="0"/>
-                  <a:t>PROC </a:t>
-                </a:r>
-                <a:r>
-                  <a:rPr lang="es-CL" b="1" dirty="0"/>
-                  <a:t>Finalizar</a:t>
-                </a:r>
-                <a:r>
-                  <a:rPr lang="es-CL" dirty="0"/>
-                  <a:t>(x, </a:t>
-                </a:r>
-                <a14:m>
-                  <m:oMath xmlns:m="http://schemas.openxmlformats.org/officeDocument/2006/math">
-                    <m:sSub>
-                      <m:sSubPr>
-                        <m:ctrlPr>
-                          <a:rPr lang="es-CL" b="0" i="1" smtClean="0">
-                            <a:latin typeface="Cambria Math" panose="02040503050406030204" pitchFamily="18" charset="0"/>
-                          </a:rPr>
-                        </m:ctrlPr>
-                      </m:sSubPr>
-                      <m:e>
-                        <m:r>
-                          <a:rPr lang="es-CL" b="0" i="1" smtClean="0">
-                            <a:latin typeface="Cambria Math" panose="02040503050406030204" pitchFamily="18" charset="0"/>
-                          </a:rPr>
-                          <m:t>𝑦</m:t>
-                        </m:r>
-                      </m:e>
-                      <m:sub>
-                        <m:r>
-                          <a:rPr lang="es-CL" b="0" i="1" smtClean="0">
-                            <a:latin typeface="Cambria Math" panose="02040503050406030204" pitchFamily="18" charset="0"/>
-                          </a:rPr>
-                          <m:t>𝐴</m:t>
-                        </m:r>
-                      </m:sub>
-                    </m:sSub>
-                  </m:oMath>
-                </a14:m>
-                <a:r>
-                  <a:rPr lang="es-CL" dirty="0"/>
-                  <a:t>)</a:t>
-                </a:r>
-              </a:p>
-              <a:p>
-                <a:r>
-                  <a:rPr lang="es-CL" dirty="0"/>
-                  <a:t>   y </a:t>
-                </a:r>
-                <a14:m>
-                  <m:oMath xmlns:m="http://schemas.openxmlformats.org/officeDocument/2006/math">
-                    <m:r>
-                      <a:rPr lang="es-CL" b="0" i="1" smtClean="0">
-                        <a:latin typeface="Cambria Math" panose="02040503050406030204" pitchFamily="18" charset="0"/>
-                      </a:rPr>
-                      <m:t>←</m:t>
-                    </m:r>
-                  </m:oMath>
-                </a14:m>
-                <a:r>
-                  <a:rPr lang="es-CL" dirty="0"/>
-                  <a:t> Eval(</a:t>
-                </a:r>
-                <a:r>
-                  <a:rPr lang="es-CL" dirty="0" err="1"/>
-                  <a:t>pp</a:t>
-                </a:r>
-                <a:r>
-                  <a:rPr lang="es-CL" dirty="0"/>
-                  <a:t>, x)</a:t>
-                </a:r>
-              </a:p>
-              <a:p>
-                <a:r>
-                  <a:rPr lang="es-CL" dirty="0"/>
-                  <a:t>   </a:t>
-                </a:r>
-                <a:r>
-                  <a:rPr lang="es-CL" dirty="0" err="1"/>
-                  <a:t>if</a:t>
-                </a:r>
-                <a:r>
-                  <a:rPr lang="es-CL" dirty="0"/>
-                  <a:t> y = </a:t>
-                </a:r>
-                <a14:m>
-                  <m:oMath xmlns:m="http://schemas.openxmlformats.org/officeDocument/2006/math">
-                    <m:sSub>
-                      <m:sSubPr>
-                        <m:ctrlPr>
-                          <a:rPr lang="es-CL" b="0" i="1" smtClean="0">
-                            <a:latin typeface="Cambria Math" panose="02040503050406030204" pitchFamily="18" charset="0"/>
-                          </a:rPr>
-                        </m:ctrlPr>
-                      </m:sSubPr>
-                      <m:e>
-                        <m:r>
-                          <a:rPr lang="es-CL" b="0" i="1" smtClean="0">
-                            <a:latin typeface="Cambria Math" panose="02040503050406030204" pitchFamily="18" charset="0"/>
-                          </a:rPr>
-                          <m:t>𝑦</m:t>
-                        </m:r>
-                      </m:e>
-                      <m:sub>
-                        <m:r>
-                          <a:rPr lang="es-CL" b="0" i="1" smtClean="0">
-                            <a:latin typeface="Cambria Math" panose="02040503050406030204" pitchFamily="18" charset="0"/>
-                          </a:rPr>
-                          <m:t>𝐴</m:t>
-                        </m:r>
-                      </m:sub>
-                    </m:sSub>
-                  </m:oMath>
-                </a14:m>
-                <a:r>
-                  <a:rPr lang="es-CL" dirty="0"/>
-                  <a:t> return Ganó</a:t>
-                </a:r>
-              </a:p>
-              <a:p>
-                <a:r>
-                  <a:rPr lang="es-CL" dirty="0"/>
-                  <a:t>   </a:t>
-                </a:r>
-                <a:r>
-                  <a:rPr lang="es-CL" dirty="0" err="1"/>
-                  <a:t>else</a:t>
-                </a:r>
-                <a:r>
-                  <a:rPr lang="es-CL" dirty="0"/>
-                  <a:t> return Perdió</a:t>
-                </a:r>
-              </a:p>
-            </p:txBody>
-          </p:sp>
-        </mc:Choice>
-        <mc:Fallback>
-          <p:sp>
-            <p:nvSpPr>
-              <p:cNvPr id="5" name="Rectángulo: esquinas redondeadas 4">
-                <a:extLst>
-                  <a:ext uri="{FF2B5EF4-FFF2-40B4-BE49-F238E27FC236}">
-                    <a16:creationId xmlns:a16="http://schemas.microsoft.com/office/drawing/2014/main" id="{CBA7ECE0-F7E1-45D1-BD9A-EAEF16CDF850}"/>
-                  </a:ext>
-                </a:extLst>
-              </p:cNvPr>
-              <p:cNvSpPr>
-                <a:spLocks noRot="1" noChangeAspect="1" noMove="1" noResize="1" noEditPoints="1" noAdjustHandles="1" noChangeArrowheads="1" noChangeShapeType="1" noTextEdit="1"/>
-              </p:cNvSpPr>
-              <p:nvPr/>
-            </p:nvSpPr>
-            <p:spPr>
-              <a:xfrm>
-                <a:off x="1828800" y="3643094"/>
-                <a:ext cx="2814221" cy="1296139"/>
-              </a:xfrm>
-              <a:prstGeom prst="roundRect">
-                <a:avLst/>
-              </a:prstGeom>
-              <a:blipFill>
-                <a:blip r:embed="rId4"/>
-                <a:stretch>
-                  <a:fillRect b="-2804"/>
-                </a:stretch>
-              </a:blipFill>
-            </p:spPr>
-            <p:txBody>
-              <a:bodyPr/>
-              <a:lstStyle/>
-              <a:p>
-                <a:r>
-                  <a:rPr lang="es-CL">
-                    <a:noFill/>
-                  </a:rPr>
-                  <a:t> </a:t>
-                </a:r>
-              </a:p>
-            </p:txBody>
-          </p:sp>
-        </mc:Fallback>
-      </mc:AlternateContent>
-      <mc:AlternateContent xmlns:mc="http://schemas.openxmlformats.org/markup-compatibility/2006">
-        <mc:Choice xmlns:a14="http://schemas.microsoft.com/office/drawing/2010/main" Requires="a14">
-          <p:sp>
-            <p:nvSpPr>
               <p:cNvPr id="6" name="Rectángulo: esquinas redondeadas 5">
                 <a:extLst>
                   <a:ext uri="{FF2B5EF4-FFF2-40B4-BE49-F238E27FC236}">
@@ -12226,7 +12000,6 @@
               <a:bodyPr rtlCol="0" anchor="ctr"/>
               <a:lstStyle/>
               <a:p>
-                <a:pPr/>
                 <a14:m>
                   <m:oMath xmlns:m="http://schemas.openxmlformats.org/officeDocument/2006/math">
                     <m:r>
@@ -12313,56 +12086,6 @@
                   <a:rPr lang="es-CL" b="0" dirty="0"/>
                   <a:t> </a:t>
                 </a:r>
-              </a:p>
-              <a:p>
-                <a:pPr/>
-                <a14:m>
-                  <m:oMathPara xmlns:m="http://schemas.openxmlformats.org/officeDocument/2006/math">
-                    <m:oMathParaPr>
-                      <m:jc m:val="left"/>
-                    </m:oMathParaPr>
-                    <m:oMath xmlns:m="http://schemas.openxmlformats.org/officeDocument/2006/math">
-                      <m:r>
-                        <a:rPr lang="es-CL" b="0" i="1" smtClean="0">
-                          <a:latin typeface="Cambria Math" panose="02040503050406030204" pitchFamily="18" charset="0"/>
-                        </a:rPr>
-                        <m:t>𝑥</m:t>
-                      </m:r>
-                      <m:sSup>
-                        <m:sSupPr>
-                          <m:ctrlPr>
-                            <a:rPr lang="es-CL" b="0" i="1" smtClean="0">
-                              <a:latin typeface="Cambria Math" panose="02040503050406030204" pitchFamily="18" charset="0"/>
-                            </a:rPr>
-                          </m:ctrlPr>
-                        </m:sSupPr>
-                        <m:e>
-                          <m:r>
-                            <a:rPr lang="es-CL" b="0" i="1" smtClean="0">
-                              <a:latin typeface="Cambria Math" panose="02040503050406030204" pitchFamily="18" charset="0"/>
-                            </a:rPr>
-                            <m:t>←</m:t>
-                          </m:r>
-                        </m:e>
-                        <m:sup>
-                          <m:r>
-                            <a:rPr lang="es-CL" b="0" i="1" smtClean="0">
-                              <a:latin typeface="Cambria Math" panose="02040503050406030204" pitchFamily="18" charset="0"/>
-                            </a:rPr>
-                            <m:t>𝑅</m:t>
-                          </m:r>
-                        </m:sup>
-                      </m:sSup>
-                      <m:r>
-                        <a:rPr lang="es-CL" b="0" i="1" smtClean="0">
-                          <a:latin typeface="Cambria Math" panose="02040503050406030204" pitchFamily="18" charset="0"/>
-                        </a:rPr>
-                        <m:t>𝑋</m:t>
-                      </m:r>
-                    </m:oMath>
-                  </m:oMathPara>
-                </a14:m>
-                <a:endParaRPr lang="es-CL" b="0" dirty="0"/>
               </a:p>
               <a:p>
                 <a:pPr/>
@@ -12502,7 +12225,7 @@
                 <a:avLst/>
               </a:prstGeom>
               <a:blipFill>
-                <a:blip r:embed="rId5"/>
+                <a:blip r:embed="rId4"/>
                 <a:stretch>
                   <a:fillRect/>
                 </a:stretch>
@@ -12660,8 +12383,8 @@
           </a:fontRef>
         </p:style>
       </p:cxnSp>
-      <mc:AlternateContent xmlns:mc="http://schemas.openxmlformats.org/markup-compatibility/2006">
-        <mc:Choice xmlns:a14="http://schemas.microsoft.com/office/drawing/2010/main" Requires="a14">
+      <mc:AlternateContent xmlns:mc="http://schemas.openxmlformats.org/markup-compatibility/2006" xmlns:a14="http://schemas.microsoft.com/office/drawing/2010/main">
+        <mc:Choice Requires="a14">
           <p:sp>
             <p:nvSpPr>
               <p:cNvPr id="13" name="CuadroTexto 12">
@@ -12690,6 +12413,7 @@
               </a:bodyPr>
               <a:lstStyle/>
               <a:p>
+                <a:pPr/>
                 <a14:m>
                   <m:oMathPara xmlns:m="http://schemas.openxmlformats.org/officeDocument/2006/math">
                     <m:oMathParaPr>
@@ -12722,7 +12446,7 @@
             </p:txBody>
           </p:sp>
         </mc:Choice>
-        <mc:Fallback>
+        <mc:Fallback xmlns="">
           <p:sp>
             <p:nvSpPr>
               <p:cNvPr id="13" name="CuadroTexto 12">
@@ -12767,8 +12491,8 @@
           </p:sp>
         </mc:Fallback>
       </mc:AlternateContent>
-      <mc:AlternateContent xmlns:mc="http://schemas.openxmlformats.org/markup-compatibility/2006">
-        <mc:Choice xmlns:a14="http://schemas.microsoft.com/office/drawing/2010/main" Requires="a14">
+      <mc:AlternateContent xmlns:mc="http://schemas.openxmlformats.org/markup-compatibility/2006" xmlns:a14="http://schemas.microsoft.com/office/drawing/2010/main">
+        <mc:Choice Requires="a14">
           <p:sp>
             <p:nvSpPr>
               <p:cNvPr id="14" name="CuadroTexto 13">
@@ -12797,6 +12521,7 @@
               </a:bodyPr>
               <a:lstStyle/>
               <a:p>
+                <a:pPr/>
                 <a14:m>
                   <m:oMathPara xmlns:m="http://schemas.openxmlformats.org/officeDocument/2006/math">
                     <m:oMathParaPr>
@@ -12817,7 +12542,7 @@
             </p:txBody>
           </p:sp>
         </mc:Choice>
-        <mc:Fallback>
+        <mc:Fallback xmlns="">
           <p:sp>
             <p:nvSpPr>
               <p:cNvPr id="14" name="CuadroTexto 13">
@@ -12879,7 +12604,7 @@
             <p:spPr>
               <a:xfrm>
                 <a:off x="5663296" y="3798299"/>
-                <a:ext cx="515910" cy="276999"/>
+                <a:ext cx="298928" cy="276999"/>
               </a:xfrm>
               <a:prstGeom prst="rect">
                 <a:avLst/>
@@ -12892,24 +12617,13 @@
               </a:bodyPr>
               <a:lstStyle/>
               <a:p>
+                <a:pPr/>
                 <a14:m>
                   <m:oMathPara xmlns:m="http://schemas.openxmlformats.org/officeDocument/2006/math">
                     <m:oMathParaPr>
                       <m:jc m:val="centerGroup"/>
                     </m:oMathParaPr>
                     <m:oMath xmlns:m="http://schemas.openxmlformats.org/officeDocument/2006/math">
-                      <m:r>
-                        <a:rPr lang="es-CL" b="0" i="1" smtClean="0">
-                          <a:latin typeface="Cambria Math" panose="02040503050406030204" pitchFamily="18" charset="0"/>
-                        </a:rPr>
-                        <m:t>𝑥</m:t>
-                      </m:r>
-                      <m:r>
-                        <a:rPr lang="es-CL" b="0" i="1" smtClean="0">
-                          <a:latin typeface="Cambria Math" panose="02040503050406030204" pitchFamily="18" charset="0"/>
-                        </a:rPr>
-                        <m:t>, </m:t>
-                      </m:r>
                       <m:sSub>
                         <m:sSubPr>
                           <m:ctrlPr>
@@ -12961,7 +12675,7 @@
             <p:spPr>
               <a:xfrm>
                 <a:off x="5663296" y="3798299"/>
-                <a:ext cx="515910" cy="276999"/>
+                <a:ext cx="298928" cy="276999"/>
               </a:xfrm>
               <a:prstGeom prst="rect">
                 <a:avLst/>
@@ -12969,7 +12683,7 @@
               <a:blipFill>
                 <a:blip r:embed="rId8"/>
                 <a:stretch>
-                  <a:fillRect l="-5882" r="-3529" b="-23913"/>
+                  <a:fillRect l="-18367" r="-6122" b="-23913"/>
                 </a:stretch>
               </a:blipFill>
             </p:spPr>
@@ -13057,8 +12771,8 @@
           <a:chExt cx="0" cy="0"/>
         </a:xfrm>
       </p:grpSpPr>
-      <mc:AlternateContent xmlns:mc="http://schemas.openxmlformats.org/markup-compatibility/2006">
-        <mc:Choice xmlns:a14="http://schemas.microsoft.com/office/drawing/2010/main" Requires="a14">
+      <mc:AlternateContent xmlns:mc="http://schemas.openxmlformats.org/markup-compatibility/2006" xmlns:a14="http://schemas.microsoft.com/office/drawing/2010/main">
+        <mc:Choice Requires="a14">
           <p:sp>
             <p:nvSpPr>
               <p:cNvPr id="3" name="Marcador de contenido 2">
@@ -13473,7 +13187,7 @@
             </p:txBody>
           </p:sp>
         </mc:Choice>
-        <mc:Fallback>
+        <mc:Fallback xmlns="">
           <p:sp>
             <p:nvSpPr>
               <p:cNvPr id="3" name="Marcador de contenido 2">
@@ -13517,8 +13231,8 @@
           </p:sp>
         </mc:Fallback>
       </mc:AlternateContent>
-      <mc:AlternateContent xmlns:mc="http://schemas.openxmlformats.org/markup-compatibility/2006">
-        <mc:Choice xmlns:a14="http://schemas.microsoft.com/office/drawing/2010/main" Requires="a14">
+      <mc:AlternateContent xmlns:mc="http://schemas.openxmlformats.org/markup-compatibility/2006" xmlns:a14="http://schemas.microsoft.com/office/drawing/2010/main">
+        <mc:Choice Requires="a14">
           <p:sp>
             <p:nvSpPr>
               <p:cNvPr id="18" name="Título 1">
@@ -13599,7 +13313,7 @@
             </p:txBody>
           </p:sp>
         </mc:Choice>
-        <mc:Fallback>
+        <mc:Fallback xmlns="">
           <p:sp>
             <p:nvSpPr>
               <p:cNvPr id="18" name="Título 1">
@@ -14809,8 +14523,8 @@
           </a:p>
         </p:txBody>
       </p:sp>
-      <mc:AlternateContent xmlns:mc="http://schemas.openxmlformats.org/markup-compatibility/2006">
-        <mc:Choice xmlns:a14="http://schemas.microsoft.com/office/drawing/2010/main" Requires="a14">
+      <mc:AlternateContent xmlns:mc="http://schemas.openxmlformats.org/markup-compatibility/2006" xmlns:a14="http://schemas.microsoft.com/office/drawing/2010/main">
+        <mc:Choice Requires="a14">
           <p:sp>
             <p:nvSpPr>
               <p:cNvPr id="6" name="Marcador de contenido 5">
@@ -15413,7 +15127,7 @@
             </p:txBody>
           </p:sp>
         </mc:Choice>
-        <mc:Fallback>
+        <mc:Fallback xmlns="">
           <p:sp>
             <p:nvSpPr>
               <p:cNvPr id="6" name="Marcador de contenido 5">
@@ -15511,8 +15225,8 @@
           </a:p>
         </p:txBody>
       </p:sp>
-      <mc:AlternateContent xmlns:mc="http://schemas.openxmlformats.org/markup-compatibility/2006">
-        <mc:Choice xmlns:a14="http://schemas.microsoft.com/office/drawing/2010/main" Requires="a14">
+      <mc:AlternateContent xmlns:mc="http://schemas.openxmlformats.org/markup-compatibility/2006" xmlns:a14="http://schemas.microsoft.com/office/drawing/2010/main">
+        <mc:Choice Requires="a14">
           <p:sp>
             <p:nvSpPr>
               <p:cNvPr id="3" name="Marcador de contenido 2">
@@ -16112,7 +15826,7 @@
             </p:txBody>
           </p:sp>
         </mc:Choice>
-        <mc:Fallback>
+        <mc:Fallback xmlns="">
           <p:sp>
             <p:nvSpPr>
               <p:cNvPr id="3" name="Marcador de contenido 2">
@@ -16250,8 +15964,8 @@
           </a:p>
         </p:txBody>
       </p:sp>
-      <mc:AlternateContent xmlns:mc="http://schemas.openxmlformats.org/markup-compatibility/2006">
-        <mc:Choice xmlns:a14="http://schemas.microsoft.com/office/drawing/2010/main" Requires="a14">
+      <mc:AlternateContent xmlns:mc="http://schemas.openxmlformats.org/markup-compatibility/2006" xmlns:a14="http://schemas.microsoft.com/office/drawing/2010/main">
+        <mc:Choice Requires="a14">
           <p:sp>
             <p:nvSpPr>
               <p:cNvPr id="7" name="Marcador de contenido 6">
@@ -16285,17 +15999,21 @@
                 <a14:m>
                   <m:oMath xmlns:m="http://schemas.openxmlformats.org/officeDocument/2006/math">
                     <m:r>
-                      <a:rPr lang="es-CL" sz="2400" b="0" i="0" smtClean="0"/>
+                      <a:rPr lang="es-CL" sz="2400" b="0" i="0" smtClean="0">
+                        <a:latin typeface="Cambria Math" panose="02040503050406030204" pitchFamily="18" charset="0"/>
+                      </a:rPr>
                       <m:t>ℓ←</m:t>
                     </m:r>
                     <m:r>
                       <a:rPr lang="es-CL" sz="2400" b="0" i="0" smtClean="0">
+                        <a:latin typeface="Cambria Math" panose="02040503050406030204" pitchFamily="18" charset="0"/>
                         <a:ea typeface="Cambria Math" panose="02040503050406030204" pitchFamily="18" charset="0"/>
                       </a:rPr>
                       <m:t>ℋ</m:t>
                     </m:r>
                     <m:r>
                       <a:rPr lang="es-CL" sz="2400" b="0" i="0" smtClean="0">
+                        <a:latin typeface="Cambria Math" panose="02040503050406030204" pitchFamily="18" charset="0"/>
                         <a:ea typeface="Cambria Math" panose="02040503050406030204" pitchFamily="18" charset="0"/>
                       </a:rPr>
                       <m:t>(</m:t>
@@ -16305,12 +16023,14 @@
                         <m:sty m:val="p"/>
                       </m:rPr>
                       <a:rPr lang="es-CL" sz="2400" b="0" i="0" smtClean="0">
+                        <a:latin typeface="Cambria Math" panose="02040503050406030204" pitchFamily="18" charset="0"/>
                         <a:ea typeface="Cambria Math" panose="02040503050406030204" pitchFamily="18" charset="0"/>
                       </a:rPr>
                       <m:t>G</m:t>
                     </m:r>
                     <m:r>
                       <a:rPr lang="es-CL" sz="2400" b="0" i="0" smtClean="0">
+                        <a:latin typeface="Cambria Math" panose="02040503050406030204" pitchFamily="18" charset="0"/>
                         <a:ea typeface="Cambria Math" panose="02040503050406030204" pitchFamily="18" charset="0"/>
                       </a:rPr>
                       <m:t>,</m:t>
@@ -16320,12 +16040,14 @@
                         <m:sty m:val="p"/>
                       </m:rPr>
                       <a:rPr lang="es-CL" sz="2400" b="0" i="0" smtClean="0">
+                        <a:latin typeface="Cambria Math" panose="02040503050406030204" pitchFamily="18" charset="0"/>
                         <a:ea typeface="Cambria Math" panose="02040503050406030204" pitchFamily="18" charset="0"/>
                       </a:rPr>
                       <m:t>g</m:t>
                     </m:r>
                     <m:r>
                       <a:rPr lang="es-CL" sz="2400" b="0" i="0" smtClean="0">
+                        <a:latin typeface="Cambria Math" panose="02040503050406030204" pitchFamily="18" charset="0"/>
                         <a:ea typeface="Cambria Math" panose="02040503050406030204" pitchFamily="18" charset="0"/>
                       </a:rPr>
                       <m:t>,</m:t>
@@ -16335,12 +16057,14 @@
                         <m:sty m:val="p"/>
                       </m:rPr>
                       <a:rPr lang="es-CL" sz="2400" b="0" i="0" smtClean="0">
+                        <a:latin typeface="Cambria Math" panose="02040503050406030204" pitchFamily="18" charset="0"/>
                         <a:ea typeface="Cambria Math" panose="02040503050406030204" pitchFamily="18" charset="0"/>
                       </a:rPr>
                       <m:t>h</m:t>
                     </m:r>
                     <m:r>
                       <a:rPr lang="es-CL" sz="2400" b="0" i="0" smtClean="0">
+                        <a:latin typeface="Cambria Math" panose="02040503050406030204" pitchFamily="18" charset="0"/>
                         <a:ea typeface="Cambria Math" panose="02040503050406030204" pitchFamily="18" charset="0"/>
                       </a:rPr>
                       <m:t>,</m:t>
@@ -16350,12 +16074,14 @@
                         <m:sty m:val="p"/>
                       </m:rPr>
                       <a:rPr lang="es-CL" sz="2400" b="0" i="0" smtClean="0">
+                        <a:latin typeface="Cambria Math" panose="02040503050406030204" pitchFamily="18" charset="0"/>
                         <a:ea typeface="Cambria Math" panose="02040503050406030204" pitchFamily="18" charset="0"/>
                       </a:rPr>
                       <m:t>T</m:t>
                     </m:r>
                     <m:r>
                       <a:rPr lang="es-CL" sz="2400" b="0" i="0" smtClean="0">
+                        <a:latin typeface="Cambria Math" panose="02040503050406030204" pitchFamily="18" charset="0"/>
                         <a:ea typeface="Cambria Math" panose="02040503050406030204" pitchFamily="18" charset="0"/>
                       </a:rPr>
                       <m:t>)</m:t>
@@ -16376,29 +16102,39 @@
                 <a14:m>
                   <m:oMath xmlns:m="http://schemas.openxmlformats.org/officeDocument/2006/math">
                     <m:r>
-                      <a:rPr lang="es-CL" sz="1800" b="0" i="0" smtClean="0"/>
+                      <a:rPr lang="es-CL" sz="1800" b="0" i="0" smtClean="0">
+                        <a:latin typeface="Cambria Math" panose="02040503050406030204" pitchFamily="18" charset="0"/>
+                      </a:rPr>
                       <m:t>ℓ∈</m:t>
                     </m:r>
                     <m:r>
                       <m:rPr>
                         <m:sty m:val="p"/>
                       </m:rPr>
-                      <a:rPr lang="es-CL" sz="1800" b="0" i="0" smtClean="0"/>
+                      <a:rPr lang="es-CL" sz="1800" b="0" i="0" smtClean="0">
+                        <a:latin typeface="Cambria Math" panose="02040503050406030204" pitchFamily="18" charset="0"/>
+                      </a:rPr>
                       <m:t>Primes</m:t>
                     </m:r>
                     <m:r>
-                      <a:rPr lang="es-CL" sz="1800" b="0" i="0" smtClean="0"/>
+                      <a:rPr lang="es-CL" sz="1800" b="0" i="0" smtClean="0">
+                        <a:latin typeface="Cambria Math" panose="02040503050406030204" pitchFamily="18" charset="0"/>
+                      </a:rPr>
                       <m:t>(2</m:t>
                     </m:r>
                     <m:r>
                       <m:rPr>
                         <m:sty m:val="p"/>
                       </m:rPr>
-                      <a:rPr lang="es-CL" sz="1800" b="0" i="0" smtClean="0"/>
+                      <a:rPr lang="es-CL" sz="1800" b="0" i="0" smtClean="0">
+                        <a:latin typeface="Cambria Math" panose="02040503050406030204" pitchFamily="18" charset="0"/>
+                      </a:rPr>
                       <m:t>λ</m:t>
                     </m:r>
                     <m:r>
-                      <a:rPr lang="es-CL" sz="1800" b="0" i="0" smtClean="0"/>
+                      <a:rPr lang="es-CL" sz="1800" b="0" i="0" smtClean="0">
+                        <a:latin typeface="Cambria Math" panose="02040503050406030204" pitchFamily="18" charset="0"/>
+                      </a:rPr>
                       <m:t>)</m:t>
                     </m:r>
                   </m:oMath>
@@ -16411,6 +16147,7 @@
                   <m:oMath xmlns:m="http://schemas.openxmlformats.org/officeDocument/2006/math">
                     <m:r>
                       <a:rPr lang="es-CL" sz="1800" i="0" smtClean="0">
+                        <a:latin typeface="Cambria Math" panose="02040503050406030204" pitchFamily="18" charset="0"/>
                         <a:ea typeface="Cambria Math" panose="02040503050406030204" pitchFamily="18" charset="0"/>
                       </a:rPr>
                       <m:t>ℋ</m:t>
@@ -16434,29 +16171,39 @@
                 <a14:m>
                   <m:oMath xmlns:m="http://schemas.openxmlformats.org/officeDocument/2006/math">
                     <m:r>
-                      <a:rPr lang="es-CL" sz="2400" b="0" i="0" smtClean="0"/>
+                      <a:rPr lang="es-CL" sz="2400" b="0" i="0" smtClean="0">
+                        <a:latin typeface="Cambria Math" panose="02040503050406030204" pitchFamily="18" charset="0"/>
+                      </a:rPr>
                       <m:t>(</m:t>
                     </m:r>
                     <m:r>
                       <m:rPr>
                         <m:sty m:val="p"/>
                       </m:rPr>
-                      <a:rPr lang="es-CL" sz="2400" b="0" i="0" smtClean="0"/>
+                      <a:rPr lang="es-CL" sz="2400" b="0" i="0" smtClean="0">
+                        <a:latin typeface="Cambria Math" panose="02040503050406030204" pitchFamily="18" charset="0"/>
+                      </a:rPr>
                       <m:t>q</m:t>
                     </m:r>
                     <m:r>
-                      <a:rPr lang="es-CL" sz="2400" b="0" i="0" smtClean="0"/>
+                      <a:rPr lang="es-CL" sz="2400" b="0" i="0" smtClean="0">
+                        <a:latin typeface="Cambria Math" panose="02040503050406030204" pitchFamily="18" charset="0"/>
+                      </a:rPr>
                       <m:t>,</m:t>
                     </m:r>
                     <m:r>
                       <m:rPr>
                         <m:sty m:val="p"/>
                       </m:rPr>
-                      <a:rPr lang="es-CL" sz="2400" b="0" i="0" smtClean="0"/>
+                      <a:rPr lang="es-CL" sz="2400" b="0" i="0" smtClean="0">
+                        <a:latin typeface="Cambria Math" panose="02040503050406030204" pitchFamily="18" charset="0"/>
+                      </a:rPr>
                       <m:t>r</m:t>
                     </m:r>
                     <m:r>
-                      <a:rPr lang="es-CL" sz="2400" b="0" i="0" smtClean="0"/>
+                      <a:rPr lang="es-CL" sz="2400" b="0" i="0" smtClean="0">
+                        <a:latin typeface="Cambria Math" panose="02040503050406030204" pitchFamily="18" charset="0"/>
+                      </a:rPr>
                       <m:t>)</m:t>
                     </m:r>
                   </m:oMath>
@@ -16470,12 +16217,16 @@
                     <m:sSup>
                       <m:sSupPr>
                         <m:ctrlPr>
-                          <a:rPr lang="es-CL" sz="2400" b="0" smtClean="0"/>
+                          <a:rPr lang="es-CL" sz="2400" b="0" i="1" smtClean="0">
+                            <a:latin typeface="Cambria Math" panose="02040503050406030204" pitchFamily="18" charset="0"/>
+                          </a:rPr>
                         </m:ctrlPr>
                       </m:sSupPr>
                       <m:e>
                         <m:r>
-                          <a:rPr lang="es-CL" sz="2400" b="0" i="0" smtClean="0"/>
+                          <a:rPr lang="es-CL" sz="2400" b="0" i="0" smtClean="0">
+                            <a:latin typeface="Cambria Math" panose="02040503050406030204" pitchFamily="18" charset="0"/>
+                          </a:rPr>
                           <m:t>2</m:t>
                         </m:r>
                       </m:e>
@@ -16492,25 +16243,33 @@
                       </m:sup>
                     </m:sSup>
                     <m:r>
-                      <a:rPr lang="es-CL" sz="2400" b="0" i="0" smtClean="0"/>
+                      <a:rPr lang="es-CL" sz="2400" b="0" i="0" smtClean="0">
+                        <a:latin typeface="Cambria Math" panose="02040503050406030204" pitchFamily="18" charset="0"/>
+                      </a:rPr>
                       <m:t>=</m:t>
                     </m:r>
                     <m:r>
                       <m:rPr>
                         <m:sty m:val="p"/>
                       </m:rPr>
-                      <a:rPr lang="es-CL" sz="2400" b="0" i="0" smtClean="0"/>
+                      <a:rPr lang="es-CL" sz="2400" b="0" i="0" smtClean="0">
+                        <a:latin typeface="Cambria Math" panose="02040503050406030204" pitchFamily="18" charset="0"/>
+                      </a:rPr>
                       <m:t>q</m:t>
                     </m:r>
                     <m:r>
-                      <a:rPr lang="es-CL" sz="2400" b="0" i="0" smtClean="0"/>
+                      <a:rPr lang="es-CL" sz="2400" b="0" i="0" smtClean="0">
+                        <a:latin typeface="Cambria Math" panose="02040503050406030204" pitchFamily="18" charset="0"/>
+                      </a:rPr>
                       <m:t>ℓ+</m:t>
                     </m:r>
                     <m:r>
                       <m:rPr>
                         <m:sty m:val="p"/>
                       </m:rPr>
-                      <a:rPr lang="es-CL" sz="2400" b="0" i="0" smtClean="0"/>
+                      <a:rPr lang="es-CL" sz="2400" b="0" i="0" smtClean="0">
+                        <a:latin typeface="Cambria Math" panose="02040503050406030204" pitchFamily="18" charset="0"/>
+                      </a:rPr>
                       <m:t>r</m:t>
                     </m:r>
                   </m:oMath>
@@ -16528,17 +16287,23 @@
                       <m:rPr>
                         <m:sty m:val="p"/>
                       </m:rPr>
-                      <a:rPr lang="es-CL" sz="2400" b="0" i="0" smtClean="0"/>
+                      <a:rPr lang="es-CL" sz="2400" b="0" i="0" smtClean="0">
+                        <a:latin typeface="Cambria Math" panose="02040503050406030204" pitchFamily="18" charset="0"/>
+                      </a:rPr>
                       <m:t>π</m:t>
                     </m:r>
                     <m:r>
-                      <a:rPr lang="es-CL" sz="2400" b="0" i="0" smtClean="0"/>
+                      <a:rPr lang="es-CL" sz="2400" b="0" i="0" smtClean="0">
+                        <a:latin typeface="Cambria Math" panose="02040503050406030204" pitchFamily="18" charset="0"/>
+                      </a:rPr>
                       <m:t>←</m:t>
                     </m:r>
                     <m:sSup>
                       <m:sSupPr>
                         <m:ctrlPr>
-                          <a:rPr lang="es-CL" sz="2400" b="0" smtClean="0"/>
+                          <a:rPr lang="es-CL" sz="2400" b="0" i="1" smtClean="0">
+                            <a:latin typeface="Cambria Math" panose="02040503050406030204" pitchFamily="18" charset="0"/>
+                          </a:rPr>
                         </m:ctrlPr>
                       </m:sSupPr>
                       <m:e>
@@ -16546,7 +16311,9 @@
                           <m:rPr>
                             <m:sty m:val="p"/>
                           </m:rPr>
-                          <a:rPr lang="es-CL" sz="2400" b="0" i="0" smtClean="0"/>
+                          <a:rPr lang="es-CL" sz="2400" b="0" i="0" smtClean="0">
+                            <a:latin typeface="Cambria Math" panose="02040503050406030204" pitchFamily="18" charset="0"/>
+                          </a:rPr>
                           <m:t>g</m:t>
                         </m:r>
                       </m:e>
@@ -16555,7 +16322,9 @@
                           <m:rPr>
                             <m:sty m:val="p"/>
                           </m:rPr>
-                          <a:rPr lang="es-CL" sz="2400" b="0" i="0" smtClean="0"/>
+                          <a:rPr lang="es-CL" sz="2400" b="0" i="0" smtClean="0">
+                            <a:latin typeface="Cambria Math" panose="02040503050406030204" pitchFamily="18" charset="0"/>
+                          </a:rPr>
                           <m:t>q</m:t>
                         </m:r>
                       </m:sup>
@@ -16567,7 +16336,7 @@
             </p:txBody>
           </p:sp>
         </mc:Choice>
-        <mc:Fallback>
+        <mc:Fallback xmlns="">
           <p:sp>
             <p:nvSpPr>
               <p:cNvPr id="7" name="Marcador de contenido 6">
@@ -16645,8 +16414,8 @@
           </a:p>
         </p:txBody>
       </p:sp>
-      <mc:AlternateContent xmlns:mc="http://schemas.openxmlformats.org/markup-compatibility/2006">
-        <mc:Choice xmlns:a14="http://schemas.microsoft.com/office/drawing/2010/main" Requires="a14">
+      <mc:AlternateContent xmlns:mc="http://schemas.openxmlformats.org/markup-compatibility/2006" xmlns:a14="http://schemas.microsoft.com/office/drawing/2010/main">
+        <mc:Choice Requires="a14">
           <p:sp>
             <p:nvSpPr>
               <p:cNvPr id="9" name="Marcador de contenido 8">
@@ -16682,17 +16451,21 @@
                 <a14:m>
                   <m:oMath xmlns:m="http://schemas.openxmlformats.org/officeDocument/2006/math">
                     <m:r>
-                      <a:rPr lang="es-CL" sz="2400" b="0" i="0" smtClean="0"/>
+                      <a:rPr lang="es-CL" sz="2400" b="0" i="0" smtClean="0">
+                        <a:latin typeface="Cambria Math" panose="02040503050406030204" pitchFamily="18" charset="0"/>
+                      </a:rPr>
                       <m:t>ℓ←</m:t>
                     </m:r>
                     <m:r>
                       <a:rPr lang="es-CL" sz="2400" b="0" i="0" smtClean="0">
+                        <a:latin typeface="Cambria Math" panose="02040503050406030204" pitchFamily="18" charset="0"/>
                         <a:ea typeface="Cambria Math" panose="02040503050406030204" pitchFamily="18" charset="0"/>
                       </a:rPr>
                       <m:t>ℋ</m:t>
                     </m:r>
                     <m:r>
                       <a:rPr lang="es-CL" sz="2400" b="0" i="0" smtClean="0">
+                        <a:latin typeface="Cambria Math" panose="02040503050406030204" pitchFamily="18" charset="0"/>
                         <a:ea typeface="Cambria Math" panose="02040503050406030204" pitchFamily="18" charset="0"/>
                       </a:rPr>
                       <m:t>(</m:t>
@@ -16702,12 +16475,14 @@
                         <m:sty m:val="p"/>
                       </m:rPr>
                       <a:rPr lang="es-CL" sz="2400" b="0" i="0" smtClean="0">
+                        <a:latin typeface="Cambria Math" panose="02040503050406030204" pitchFamily="18" charset="0"/>
                         <a:ea typeface="Cambria Math" panose="02040503050406030204" pitchFamily="18" charset="0"/>
                       </a:rPr>
                       <m:t>G</m:t>
                     </m:r>
                     <m:r>
                       <a:rPr lang="es-CL" sz="2400" b="0" i="0" smtClean="0">
+                        <a:latin typeface="Cambria Math" panose="02040503050406030204" pitchFamily="18" charset="0"/>
                         <a:ea typeface="Cambria Math" panose="02040503050406030204" pitchFamily="18" charset="0"/>
                       </a:rPr>
                       <m:t>,</m:t>
@@ -16717,12 +16492,14 @@
                         <m:sty m:val="p"/>
                       </m:rPr>
                       <a:rPr lang="es-CL" sz="2400" b="0" i="0" smtClean="0">
+                        <a:latin typeface="Cambria Math" panose="02040503050406030204" pitchFamily="18" charset="0"/>
                         <a:ea typeface="Cambria Math" panose="02040503050406030204" pitchFamily="18" charset="0"/>
                       </a:rPr>
                       <m:t>g</m:t>
                     </m:r>
                     <m:r>
                       <a:rPr lang="es-CL" sz="2400" b="0" i="0" smtClean="0">
+                        <a:latin typeface="Cambria Math" panose="02040503050406030204" pitchFamily="18" charset="0"/>
                         <a:ea typeface="Cambria Math" panose="02040503050406030204" pitchFamily="18" charset="0"/>
                       </a:rPr>
                       <m:t>,</m:t>
@@ -16732,12 +16509,14 @@
                         <m:sty m:val="p"/>
                       </m:rPr>
                       <a:rPr lang="es-CL" sz="2400" b="0" i="0" smtClean="0">
+                        <a:latin typeface="Cambria Math" panose="02040503050406030204" pitchFamily="18" charset="0"/>
                         <a:ea typeface="Cambria Math" panose="02040503050406030204" pitchFamily="18" charset="0"/>
                       </a:rPr>
                       <m:t>h</m:t>
                     </m:r>
                     <m:r>
                       <a:rPr lang="es-CL" sz="2400" b="0" i="0" smtClean="0">
+                        <a:latin typeface="Cambria Math" panose="02040503050406030204" pitchFamily="18" charset="0"/>
                         <a:ea typeface="Cambria Math" panose="02040503050406030204" pitchFamily="18" charset="0"/>
                       </a:rPr>
                       <m:t>,</m:t>
@@ -16747,12 +16526,14 @@
                         <m:sty m:val="p"/>
                       </m:rPr>
                       <a:rPr lang="es-CL" sz="2400" b="0" i="0" smtClean="0">
+                        <a:latin typeface="Cambria Math" panose="02040503050406030204" pitchFamily="18" charset="0"/>
                         <a:ea typeface="Cambria Math" panose="02040503050406030204" pitchFamily="18" charset="0"/>
                       </a:rPr>
                       <m:t>T</m:t>
                     </m:r>
                     <m:r>
                       <a:rPr lang="es-CL" sz="2400" b="0" i="0" smtClean="0">
+                        <a:latin typeface="Cambria Math" panose="02040503050406030204" pitchFamily="18" charset="0"/>
                         <a:ea typeface="Cambria Math" panose="02040503050406030204" pitchFamily="18" charset="0"/>
                       </a:rPr>
                       <m:t>)</m:t>
@@ -16773,29 +16554,39 @@
                 <a14:m>
                   <m:oMath xmlns:m="http://schemas.openxmlformats.org/officeDocument/2006/math">
                     <m:r>
-                      <a:rPr lang="es-CL" sz="1800" b="0" i="0" smtClean="0"/>
+                      <a:rPr lang="es-CL" sz="1800" b="0" i="0" smtClean="0">
+                        <a:latin typeface="Cambria Math" panose="02040503050406030204" pitchFamily="18" charset="0"/>
+                      </a:rPr>
                       <m:t>ℓ∈</m:t>
                     </m:r>
                     <m:r>
                       <m:rPr>
                         <m:sty m:val="p"/>
                       </m:rPr>
-                      <a:rPr lang="es-CL" sz="1800" b="0" i="0" smtClean="0"/>
+                      <a:rPr lang="es-CL" sz="1800" b="0" i="0" smtClean="0">
+                        <a:latin typeface="Cambria Math" panose="02040503050406030204" pitchFamily="18" charset="0"/>
+                      </a:rPr>
                       <m:t>Primes</m:t>
                     </m:r>
                     <m:r>
-                      <a:rPr lang="es-CL" sz="1800" b="0" i="0" smtClean="0"/>
+                      <a:rPr lang="es-CL" sz="1800" b="0" i="0" smtClean="0">
+                        <a:latin typeface="Cambria Math" panose="02040503050406030204" pitchFamily="18" charset="0"/>
+                      </a:rPr>
                       <m:t>(2</m:t>
                     </m:r>
                     <m:r>
                       <m:rPr>
                         <m:sty m:val="p"/>
                       </m:rPr>
-                      <a:rPr lang="es-CL" sz="1800" b="0" i="0" smtClean="0"/>
+                      <a:rPr lang="es-CL" sz="1800" b="0" i="0" smtClean="0">
+                        <a:latin typeface="Cambria Math" panose="02040503050406030204" pitchFamily="18" charset="0"/>
+                      </a:rPr>
                       <m:t>λ</m:t>
                     </m:r>
                     <m:r>
-                      <a:rPr lang="es-CL" sz="1800" b="0" i="0" smtClean="0"/>
+                      <a:rPr lang="es-CL" sz="1800" b="0" i="0" smtClean="0">
+                        <a:latin typeface="Cambria Math" panose="02040503050406030204" pitchFamily="18" charset="0"/>
+                      </a:rPr>
                       <m:t>)</m:t>
                     </m:r>
                   </m:oMath>
@@ -16808,6 +16599,7 @@
                   <m:oMath xmlns:m="http://schemas.openxmlformats.org/officeDocument/2006/math">
                     <m:r>
                       <a:rPr lang="es-CL" sz="1800" i="0" smtClean="0">
+                        <a:latin typeface="Cambria Math" panose="02040503050406030204" pitchFamily="18" charset="0"/>
                         <a:ea typeface="Cambria Math" panose="02040503050406030204" pitchFamily="18" charset="0"/>
                       </a:rPr>
                       <m:t>ℋ</m:t>
@@ -16830,22 +16622,30 @@
                       <m:rPr>
                         <m:sty m:val="p"/>
                       </m:rPr>
-                      <a:rPr lang="es-CL" sz="2400" b="0" i="0" smtClean="0"/>
+                      <a:rPr lang="es-CL" sz="2400" b="0" i="0" smtClean="0">
+                        <a:latin typeface="Cambria Math" panose="02040503050406030204" pitchFamily="18" charset="0"/>
+                      </a:rPr>
                       <m:t>r</m:t>
                     </m:r>
                     <m:r>
-                      <a:rPr lang="es-CL" sz="2400" b="0" i="0" smtClean="0"/>
+                      <a:rPr lang="es-CL" sz="2400" b="0" i="0" smtClean="0">
+                        <a:latin typeface="Cambria Math" panose="02040503050406030204" pitchFamily="18" charset="0"/>
+                      </a:rPr>
                       <m:t>←</m:t>
                     </m:r>
                     <m:sSup>
                       <m:sSupPr>
                         <m:ctrlPr>
-                          <a:rPr lang="es-CL" sz="2400" b="0" smtClean="0"/>
+                          <a:rPr lang="es-CL" sz="2400" b="0" i="1" smtClean="0">
+                            <a:latin typeface="Cambria Math" panose="02040503050406030204" pitchFamily="18" charset="0"/>
+                          </a:rPr>
                         </m:ctrlPr>
                       </m:sSupPr>
                       <m:e>
                         <m:r>
-                          <a:rPr lang="es-CL" sz="2400" b="0" i="0" smtClean="0"/>
+                          <a:rPr lang="es-CL" sz="2400" b="0" i="0" smtClean="0">
+                            <a:latin typeface="Cambria Math" panose="02040503050406030204" pitchFamily="18" charset="0"/>
+                          </a:rPr>
                           <m:t>2</m:t>
                         </m:r>
                       </m:e>
@@ -16854,7 +16654,9 @@
                           <m:rPr>
                             <m:sty m:val="p"/>
                           </m:rPr>
-                          <a:rPr lang="es-CL" sz="2400" b="0" i="0" smtClean="0"/>
+                          <a:rPr lang="es-CL" sz="2400" b="0" i="0" smtClean="0">
+                            <a:latin typeface="Cambria Math" panose="02040503050406030204" pitchFamily="18" charset="0"/>
+                          </a:rPr>
                           <m:t>T</m:t>
                         </m:r>
                       </m:sup>
@@ -16863,11 +16665,15 @@
                       <m:rPr>
                         <m:sty m:val="p"/>
                       </m:rPr>
-                      <a:rPr lang="es-CL" sz="2400" b="0" i="0" smtClean="0"/>
+                      <a:rPr lang="es-CL" sz="2400" b="0" i="0" smtClean="0">
+                        <a:latin typeface="Cambria Math" panose="02040503050406030204" pitchFamily="18" charset="0"/>
+                      </a:rPr>
                       <m:t>mod</m:t>
                     </m:r>
                     <m:r>
-                      <a:rPr lang="es-CL" sz="2400" b="0" i="0" smtClean="0"/>
+                      <a:rPr lang="es-CL" sz="2400" b="0" i="0" smtClean="0">
+                        <a:latin typeface="Cambria Math" panose="02040503050406030204" pitchFamily="18" charset="0"/>
+                      </a:rPr>
                       <m:t> ℓ</m:t>
                     </m:r>
                   </m:oMath>
@@ -16889,18 +16695,24 @@
                       <m:rPr>
                         <m:sty m:val="p"/>
                       </m:rPr>
-                      <a:rPr lang="es-CL" sz="2400" b="0" i="0" smtClean="0"/>
+                      <a:rPr lang="es-CL" sz="2400" b="0" i="0" smtClean="0">
+                        <a:latin typeface="Cambria Math" panose="02040503050406030204" pitchFamily="18" charset="0"/>
+                      </a:rPr>
                       <m:t>π</m:t>
                     </m:r>
                     <m:r>
-                      <a:rPr lang="es-CL" sz="2400" b="0" i="0" smtClean="0"/>
+                      <a:rPr lang="es-CL" sz="2400" b="0" i="0" smtClean="0">
+                        <a:latin typeface="Cambria Math" panose="02040503050406030204" pitchFamily="18" charset="0"/>
+                      </a:rPr>
                       <m:t>∈</m:t>
                     </m:r>
                     <m:r>
                       <m:rPr>
                         <m:sty m:val="p"/>
                       </m:rPr>
-                      <a:rPr lang="es-CL" sz="2400" b="0" i="0" smtClean="0"/>
+                      <a:rPr lang="es-CL" sz="2400" b="0" i="0" smtClean="0">
+                        <a:latin typeface="Cambria Math" panose="02040503050406030204" pitchFamily="18" charset="0"/>
+                      </a:rPr>
                       <m:t>G</m:t>
                     </m:r>
                   </m:oMath>
@@ -16915,17 +16727,23 @@
                       <m:rPr>
                         <m:sty m:val="p"/>
                       </m:rPr>
-                      <a:rPr lang="es-CL" sz="2400" b="0" i="0" smtClean="0"/>
+                      <a:rPr lang="es-CL" sz="2400" b="0" i="0" smtClean="0">
+                        <a:latin typeface="Cambria Math" panose="02040503050406030204" pitchFamily="18" charset="0"/>
+                      </a:rPr>
                       <m:t>h</m:t>
                     </m:r>
                     <m:r>
-                      <a:rPr lang="es-CL" sz="2400" b="0" i="0" smtClean="0"/>
+                      <a:rPr lang="es-CL" sz="2400" b="0" i="0" smtClean="0">
+                        <a:latin typeface="Cambria Math" panose="02040503050406030204" pitchFamily="18" charset="0"/>
+                      </a:rPr>
                       <m:t>=</m:t>
                     </m:r>
                     <m:sSup>
                       <m:sSupPr>
                         <m:ctrlPr>
-                          <a:rPr lang="es-CL" sz="2400" b="0" smtClean="0"/>
+                          <a:rPr lang="es-CL" sz="2400" b="0" i="1" smtClean="0">
+                            <a:latin typeface="Cambria Math" panose="02040503050406030204" pitchFamily="18" charset="0"/>
+                          </a:rPr>
                         </m:ctrlPr>
                       </m:sSupPr>
                       <m:e>
@@ -16933,13 +16751,17 @@
                           <m:rPr>
                             <m:sty m:val="p"/>
                           </m:rPr>
-                          <a:rPr lang="es-CL" sz="2400" b="0" i="0" smtClean="0"/>
+                          <a:rPr lang="es-CL" sz="2400" b="0" i="0" smtClean="0">
+                            <a:latin typeface="Cambria Math" panose="02040503050406030204" pitchFamily="18" charset="0"/>
+                          </a:rPr>
                           <m:t>π</m:t>
                         </m:r>
                       </m:e>
                       <m:sup>
                         <m:r>
-                          <a:rPr lang="es-CL" sz="2400" b="0" i="0" smtClean="0"/>
+                          <a:rPr lang="es-CL" sz="2400" b="0" i="0" smtClean="0">
+                            <a:latin typeface="Cambria Math" panose="02040503050406030204" pitchFamily="18" charset="0"/>
+                          </a:rPr>
                           <m:t>ℓ</m:t>
                         </m:r>
                       </m:sup>
@@ -16947,7 +16769,9 @@
                     <m:sSup>
                       <m:sSupPr>
                         <m:ctrlPr>
-                          <a:rPr lang="es-CL" sz="2400" b="0" smtClean="0"/>
+                          <a:rPr lang="es-CL" sz="2400" b="0" i="1" smtClean="0">
+                            <a:latin typeface="Cambria Math" panose="02040503050406030204" pitchFamily="18" charset="0"/>
+                          </a:rPr>
                         </m:ctrlPr>
                       </m:sSupPr>
                       <m:e>
@@ -16955,7 +16779,9 @@
                           <m:rPr>
                             <m:sty m:val="p"/>
                           </m:rPr>
-                          <a:rPr lang="es-CL" sz="2400" b="0" i="0" smtClean="0"/>
+                          <a:rPr lang="es-CL" sz="2400" b="0" i="0" smtClean="0">
+                            <a:latin typeface="Cambria Math" panose="02040503050406030204" pitchFamily="18" charset="0"/>
+                          </a:rPr>
                           <m:t>g</m:t>
                         </m:r>
                       </m:e>
@@ -16964,7 +16790,9 @@
                           <m:rPr>
                             <m:sty m:val="p"/>
                           </m:rPr>
-                          <a:rPr lang="es-CL" sz="2400" b="0" i="0" smtClean="0"/>
+                          <a:rPr lang="es-CL" sz="2400" b="0" i="0" smtClean="0">
+                            <a:latin typeface="Cambria Math" panose="02040503050406030204" pitchFamily="18" charset="0"/>
+                          </a:rPr>
                           <m:t>r</m:t>
                         </m:r>
                       </m:sup>
@@ -16976,7 +16804,7 @@
             </p:txBody>
           </p:sp>
         </mc:Choice>
-        <mc:Fallback>
+        <mc:Fallback xmlns="">
           <p:sp>
             <p:nvSpPr>
               <p:cNvPr id="9" name="Marcador de contenido 8">
@@ -17020,8 +16848,8 @@
           </p:sp>
         </mc:Fallback>
       </mc:AlternateContent>
-      <mc:AlternateContent xmlns:mc="http://schemas.openxmlformats.org/markup-compatibility/2006">
-        <mc:Choice xmlns:a14="http://schemas.microsoft.com/office/drawing/2010/main" Requires="a14">
+      <mc:AlternateContent xmlns:mc="http://schemas.openxmlformats.org/markup-compatibility/2006" xmlns:a14="http://schemas.microsoft.com/office/drawing/2010/main">
+        <mc:Choice Requires="a14">
           <p:sp>
             <p:nvSpPr>
               <p:cNvPr id="10" name="CuadroTexto 9">
@@ -17050,6 +16878,7 @@
               </a:bodyPr>
               <a:lstStyle/>
               <a:p>
+                <a:pPr/>
                 <a14:m>
                   <m:oMathPara xmlns:m="http://schemas.openxmlformats.org/officeDocument/2006/math">
                     <m:oMathParaPr>
@@ -17363,7 +17192,7 @@
             </p:txBody>
           </p:sp>
         </mc:Choice>
-        <mc:Fallback>
+        <mc:Fallback xmlns="">
           <p:sp>
             <p:nvSpPr>
               <p:cNvPr id="10" name="CuadroTexto 9">
@@ -17561,8 +17390,8 @@
           </a:p>
         </p:txBody>
       </p:sp>
-      <mc:AlternateContent xmlns:mc="http://schemas.openxmlformats.org/markup-compatibility/2006">
-        <mc:Choice xmlns:a14="http://schemas.microsoft.com/office/drawing/2010/main" Requires="a14">
+      <mc:AlternateContent xmlns:mc="http://schemas.openxmlformats.org/markup-compatibility/2006" xmlns:a14="http://schemas.microsoft.com/office/drawing/2010/main">
+        <mc:Choice Requires="a14">
           <p:sp>
             <p:nvSpPr>
               <p:cNvPr id="4" name="Marcador de contenido 3">
@@ -18300,7 +18129,7 @@
             </p:txBody>
           </p:sp>
         </mc:Choice>
-        <mc:Fallback>
+        <mc:Fallback xmlns="">
           <p:sp>
             <p:nvSpPr>
               <p:cNvPr id="4" name="Marcador de contenido 3">
@@ -18374,8 +18203,8 @@
           </a:p>
         </p:txBody>
       </p:sp>
-      <mc:AlternateContent xmlns:mc="http://schemas.openxmlformats.org/markup-compatibility/2006">
-        <mc:Choice xmlns:a14="http://schemas.microsoft.com/office/drawing/2010/main" Requires="a14">
+      <mc:AlternateContent xmlns:mc="http://schemas.openxmlformats.org/markup-compatibility/2006" xmlns:a14="http://schemas.microsoft.com/office/drawing/2010/main">
+        <mc:Choice Requires="a14">
           <p:sp>
             <p:nvSpPr>
               <p:cNvPr id="6" name="Marcador de contenido 5">
@@ -18456,7 +18285,7 @@
                     <m:d>
                       <m:dPr>
                         <m:ctrlPr>
-                          <a:rPr lang="es-CL" sz="2400" b="0" i="0" smtClean="0">
+                          <a:rPr lang="es-CL" sz="2400" b="0" i="1" smtClean="0">
                             <a:latin typeface="Cambria Math" panose="02040503050406030204" pitchFamily="18" charset="0"/>
                             <a:ea typeface="Cambria Math" panose="02040503050406030204" pitchFamily="18" charset="0"/>
                           </a:rPr>
@@ -18620,7 +18449,7 @@
             </p:txBody>
           </p:sp>
         </mc:Choice>
-        <mc:Fallback>
+        <mc:Fallback xmlns="">
           <p:sp>
             <p:nvSpPr>
               <p:cNvPr id="6" name="Marcador de contenido 5">
@@ -20033,8 +19862,8 @@
           </a:p>
         </p:txBody>
       </p:sp>
-      <mc:AlternateContent xmlns:mc="http://schemas.openxmlformats.org/markup-compatibility/2006">
-        <mc:Choice xmlns:a14="http://schemas.microsoft.com/office/drawing/2010/main" Requires="a14">
+      <mc:AlternateContent xmlns:mc="http://schemas.openxmlformats.org/markup-compatibility/2006" xmlns:a14="http://schemas.microsoft.com/office/drawing/2010/main">
+        <mc:Choice Requires="a14">
           <p:sp>
             <p:nvSpPr>
               <p:cNvPr id="5" name="Marcador de contenido 4">
@@ -20103,7 +19932,7 @@
             </p:txBody>
           </p:sp>
         </mc:Choice>
-        <mc:Fallback>
+        <mc:Fallback xmlns="">
           <p:sp>
             <p:nvSpPr>
               <p:cNvPr id="5" name="Marcador de contenido 4">
@@ -20186,8 +20015,8 @@
           </a:p>
         </p:txBody>
       </p:sp>
-      <mc:AlternateContent xmlns:mc="http://schemas.openxmlformats.org/markup-compatibility/2006">
-        <mc:Choice xmlns:a14="http://schemas.microsoft.com/office/drawing/2010/main" Requires="a14">
+      <mc:AlternateContent xmlns:mc="http://schemas.openxmlformats.org/markup-compatibility/2006" xmlns:a14="http://schemas.microsoft.com/office/drawing/2010/main">
+        <mc:Choice Requires="a14">
           <p:sp>
             <p:nvSpPr>
               <p:cNvPr id="7" name="Marcador de contenido 6">
@@ -20284,7 +20113,7 @@
             </p:txBody>
           </p:sp>
         </mc:Choice>
-        <mc:Fallback>
+        <mc:Fallback xmlns="">
           <p:sp>
             <p:nvSpPr>
               <p:cNvPr id="7" name="Marcador de contenido 6">
@@ -20328,8 +20157,8 @@
           </p:sp>
         </mc:Fallback>
       </mc:AlternateContent>
-      <mc:AlternateContent xmlns:mc="http://schemas.openxmlformats.org/markup-compatibility/2006">
-        <mc:Choice xmlns:a14="http://schemas.microsoft.com/office/drawing/2010/main" Requires="a14">
+      <mc:AlternateContent xmlns:mc="http://schemas.openxmlformats.org/markup-compatibility/2006" xmlns:a14="http://schemas.microsoft.com/office/drawing/2010/main">
+        <mc:Choice Requires="a14">
           <p:sp>
             <p:nvSpPr>
               <p:cNvPr id="9" name="Rectángulo 8">
@@ -20377,6 +20206,7 @@
                 </a:r>
               </a:p>
               <a:p>
+                <a:pPr/>
                 <a14:m>
                   <m:oMathPara xmlns:m="http://schemas.openxmlformats.org/officeDocument/2006/math">
                     <m:oMathParaPr>
@@ -20441,7 +20271,7 @@
             </p:txBody>
           </p:sp>
         </mc:Choice>
-        <mc:Fallback>
+        <mc:Fallback xmlns="">
           <p:sp>
             <p:nvSpPr>
               <p:cNvPr id="9" name="Rectángulo 8">
@@ -24709,8 +24539,8 @@
           </a:p>
         </p:txBody>
       </p:sp>
-      <mc:AlternateContent xmlns:mc="http://schemas.openxmlformats.org/markup-compatibility/2006">
-        <mc:Choice xmlns:a14="http://schemas.microsoft.com/office/drawing/2010/main" Requires="a14">
+      <mc:AlternateContent xmlns:mc="http://schemas.openxmlformats.org/markup-compatibility/2006" xmlns:a14="http://schemas.microsoft.com/office/drawing/2010/main">
+        <mc:Choice Requires="a14">
           <p:graphicFrame>
             <p:nvGraphicFramePr>
               <p:cNvPr id="4" name="Marcador de contenido 3">
@@ -24743,7 +24573,7 @@
             </a:graphic>
           </p:graphicFrame>
         </mc:Choice>
-        <mc:Fallback>
+        <mc:Fallback xmlns="">
           <p:graphicFrame>
             <p:nvGraphicFramePr>
               <p:cNvPr id="4" name="Marcador de contenido 3">
@@ -24771,7 +24601,7 @@
             </p:xfrm>
             <a:graphic>
               <a:graphicData uri="http://schemas.openxmlformats.org/drawingml/2006/diagram">
-                <dgm:relIds xmlns:dgm="http://schemas.openxmlformats.org/drawingml/2006/diagram" xmlns:r="http://schemas.openxmlformats.org/officeDocument/2006/relationships" r:dm="rId7" r:lo="rId3" r:qs="rId4" r:cs="rId5"/>
+                <dgm:relIds xmlns:dgm="http://schemas.openxmlformats.org/drawingml/2006/diagram" xmlns:r="http://schemas.openxmlformats.org/officeDocument/2006/relationships" r:dm="rId7" r:lo="rId8" r:qs="rId9" r:cs="rId10"/>
               </a:graphicData>
             </a:graphic>
           </p:graphicFrame>
@@ -24961,7 +24791,7 @@
           <p:nvPr/>
         </p:nvPicPr>
         <p:blipFill>
-          <a:blip r:embed="rId8"/>
+          <a:blip r:embed="rId11"/>
           <a:stretch>
             <a:fillRect/>
           </a:stretch>
@@ -25171,8 +25001,8 @@
           </a:fontRef>
         </p:style>
       </p:cxnSp>
-      <mc:AlternateContent xmlns:mc="http://schemas.openxmlformats.org/markup-compatibility/2006">
-        <mc:Choice xmlns:a14="http://schemas.microsoft.com/office/drawing/2010/main" Requires="a14">
+      <mc:AlternateContent xmlns:mc="http://schemas.openxmlformats.org/markup-compatibility/2006" xmlns:a14="http://schemas.microsoft.com/office/drawing/2010/main">
+        <mc:Choice Requires="a14">
           <p:sp>
             <p:nvSpPr>
               <p:cNvPr id="3" name="Marcador de contenido 2">
@@ -25245,7 +25075,7 @@
             </p:txBody>
           </p:sp>
         </mc:Choice>
-        <mc:Fallback>
+        <mc:Fallback xmlns="">
           <p:sp>
             <p:nvSpPr>
               <p:cNvPr id="3" name="Marcador de contenido 2">
@@ -26586,8 +26416,8 @@
           <a:chExt cx="0" cy="0"/>
         </a:xfrm>
       </p:grpSpPr>
-      <mc:AlternateContent xmlns:mc="http://schemas.openxmlformats.org/markup-compatibility/2006">
-        <mc:Choice xmlns:a14="http://schemas.microsoft.com/office/drawing/2010/main" Requires="a14">
+      <mc:AlternateContent xmlns:mc="http://schemas.openxmlformats.org/markup-compatibility/2006" xmlns:a14="http://schemas.microsoft.com/office/drawing/2010/main">
+        <mc:Choice Requires="a14">
           <p:sp>
             <p:nvSpPr>
               <p:cNvPr id="2" name="Título 1">
@@ -26642,7 +26472,7 @@
             </p:txBody>
           </p:sp>
         </mc:Choice>
-        <mc:Fallback>
+        <mc:Fallback xmlns="">
           <p:sp>
             <p:nvSpPr>
               <p:cNvPr id="2" name="Título 1">
@@ -26682,8 +26512,8 @@
           </p:sp>
         </mc:Fallback>
       </mc:AlternateContent>
-      <mc:AlternateContent xmlns:mc="http://schemas.openxmlformats.org/markup-compatibility/2006">
-        <mc:Choice xmlns:a14="http://schemas.microsoft.com/office/drawing/2010/main" Requires="a14">
+      <mc:AlternateContent xmlns:mc="http://schemas.openxmlformats.org/markup-compatibility/2006" xmlns:a14="http://schemas.microsoft.com/office/drawing/2010/main">
+        <mc:Choice Requires="a14">
           <p:sp>
             <p:nvSpPr>
               <p:cNvPr id="3" name="Marcador de contenido 2">
@@ -26782,7 +26612,7 @@
             </p:txBody>
           </p:sp>
         </mc:Choice>
-        <mc:Fallback>
+        <mc:Fallback xmlns="">
           <p:sp>
             <p:nvSpPr>
               <p:cNvPr id="3" name="Marcador de contenido 2">

--- a/presentations/Verifiable Delay Functions (VDF).pptx
+++ b/presentations/Verifiable Delay Functions (VDF).pptx
@@ -6498,7 +6498,7 @@
           <a:p>
             <a:fld id="{6A4B53A7-3209-46A6-9454-F38EAC8F11E7}" type="datetimeFigureOut">
               <a:rPr lang="en-US" smtClean="0"/>
-              <a:t>11/9/2021</a:t>
+              <a:t>11/11/2021</a:t>
             </a:fld>
             <a:endParaRPr lang="en-US"/>
           </a:p>
@@ -6749,7 +6749,7 @@
           <a:p>
             <a:fld id="{6A4B53A7-3209-46A6-9454-F38EAC8F11E7}" type="datetimeFigureOut">
               <a:rPr lang="en-US" smtClean="0"/>
-              <a:t>11/9/2021</a:t>
+              <a:t>11/11/2021</a:t>
             </a:fld>
             <a:endParaRPr lang="en-US"/>
           </a:p>
@@ -7010,7 +7010,7 @@
           <a:p>
             <a:fld id="{6A4B53A7-3209-46A6-9454-F38EAC8F11E7}" type="datetimeFigureOut">
               <a:rPr lang="en-US" smtClean="0"/>
-              <a:t>11/9/2021</a:t>
+              <a:t>11/11/2021</a:t>
             </a:fld>
             <a:endParaRPr lang="en-US"/>
           </a:p>
@@ -7261,7 +7261,7 @@
           <a:p>
             <a:fld id="{6A4B53A7-3209-46A6-9454-F38EAC8F11E7}" type="datetimeFigureOut">
               <a:rPr lang="en-US" smtClean="0"/>
-              <a:t>11/9/2021</a:t>
+              <a:t>11/11/2021</a:t>
             </a:fld>
             <a:endParaRPr lang="en-US"/>
           </a:p>
@@ -7589,7 +7589,7 @@
           <a:p>
             <a:fld id="{6A4B53A7-3209-46A6-9454-F38EAC8F11E7}" type="datetimeFigureOut">
               <a:rPr lang="en-US" smtClean="0"/>
-              <a:t>11/9/2021</a:t>
+              <a:t>11/11/2021</a:t>
             </a:fld>
             <a:endParaRPr lang="en-US"/>
           </a:p>
@@ -7907,7 +7907,7 @@
           <a:p>
             <a:fld id="{6A4B53A7-3209-46A6-9454-F38EAC8F11E7}" type="datetimeFigureOut">
               <a:rPr lang="en-US" smtClean="0"/>
-              <a:t>11/9/2021</a:t>
+              <a:t>11/11/2021</a:t>
             </a:fld>
             <a:endParaRPr lang="en-US"/>
           </a:p>
@@ -8372,7 +8372,7 @@
           <a:p>
             <a:fld id="{6A4B53A7-3209-46A6-9454-F38EAC8F11E7}" type="datetimeFigureOut">
               <a:rPr lang="en-US" smtClean="0"/>
-              <a:t>11/9/2021</a:t>
+              <a:t>11/11/2021</a:t>
             </a:fld>
             <a:endParaRPr lang="en-US"/>
           </a:p>
@@ -8566,7 +8566,7 @@
           <a:p>
             <a:fld id="{6A4B53A7-3209-46A6-9454-F38EAC8F11E7}" type="datetimeFigureOut">
               <a:rPr lang="en-US" smtClean="0"/>
-              <a:t>11/9/2021</a:t>
+              <a:t>11/11/2021</a:t>
             </a:fld>
             <a:endParaRPr lang="en-US"/>
           </a:p>
@@ -8732,7 +8732,7 @@
           <a:p>
             <a:fld id="{6A4B53A7-3209-46A6-9454-F38EAC8F11E7}" type="datetimeFigureOut">
               <a:rPr lang="en-US" smtClean="0"/>
-              <a:t>11/9/2021</a:t>
+              <a:t>11/11/2021</a:t>
             </a:fld>
             <a:endParaRPr lang="en-US"/>
           </a:p>
@@ -9096,7 +9096,7 @@
           <a:p>
             <a:fld id="{6A4B53A7-3209-46A6-9454-F38EAC8F11E7}" type="datetimeFigureOut">
               <a:rPr lang="en-US" smtClean="0"/>
-              <a:t>11/9/2021</a:t>
+              <a:t>11/11/2021</a:t>
             </a:fld>
             <a:endParaRPr lang="en-US"/>
           </a:p>
@@ -9440,7 +9440,7 @@
           <a:p>
             <a:fld id="{6A4B53A7-3209-46A6-9454-F38EAC8F11E7}" type="datetimeFigureOut">
               <a:rPr lang="en-US" smtClean="0"/>
-              <a:t>11/9/2021</a:t>
+              <a:t>11/11/2021</a:t>
             </a:fld>
             <a:endParaRPr lang="en-US"/>
           </a:p>
@@ -9735,7 +9735,7 @@
             <a:fld id="{6A4B53A7-3209-46A6-9454-F38EAC8F11E7}" type="datetimeFigureOut">
               <a:rPr lang="en-US" smtClean="0"/>
               <a:pPr/>
-              <a:t>11/9/2021</a:t>
+              <a:t>11/11/2021</a:t>
             </a:fld>
             <a:endParaRPr lang="en-US" dirty="0"/>
           </a:p>
@@ -11762,8 +11762,8 @@
           </p:sp>
         </mc:Fallback>
       </mc:AlternateContent>
-      <mc:AlternateContent xmlns:mc="http://schemas.openxmlformats.org/markup-compatibility/2006">
-        <mc:Choice xmlns:a14="http://schemas.microsoft.com/office/drawing/2010/main" Requires="a14">
+      <mc:AlternateContent xmlns:mc="http://schemas.openxmlformats.org/markup-compatibility/2006" xmlns:a14="http://schemas.microsoft.com/office/drawing/2010/main">
+        <mc:Choice Requires="a14">
           <p:sp>
             <p:nvSpPr>
               <p:cNvPr id="4" name="Rectángulo: esquinas redondeadas 3">
@@ -11912,7 +11912,7 @@
             </p:txBody>
           </p:sp>
         </mc:Choice>
-        <mc:Fallback>
+        <mc:Fallback xmlns="">
           <p:sp>
             <p:nvSpPr>
               <p:cNvPr id="4" name="Rectángulo: esquinas redondeadas 3">
@@ -11957,8 +11957,8 @@
           </p:sp>
         </mc:Fallback>
       </mc:AlternateContent>
-      <mc:AlternateContent xmlns:mc="http://schemas.openxmlformats.org/markup-compatibility/2006">
-        <mc:Choice xmlns:a14="http://schemas.microsoft.com/office/drawing/2010/main" Requires="a14">
+      <mc:AlternateContent xmlns:mc="http://schemas.openxmlformats.org/markup-compatibility/2006" xmlns:a14="http://schemas.microsoft.com/office/drawing/2010/main">
+        <mc:Choice Requires="a14">
           <p:sp>
             <p:nvSpPr>
               <p:cNvPr id="6" name="Rectángulo: esquinas redondeadas 5">
@@ -12201,7 +12201,7 @@
             </p:txBody>
           </p:sp>
         </mc:Choice>
-        <mc:Fallback>
+        <mc:Fallback xmlns="">
           <p:sp>
             <p:nvSpPr>
               <p:cNvPr id="6" name="Rectángulo: esquinas redondeadas 5">
@@ -12383,8 +12383,8 @@
           </a:fontRef>
         </p:style>
       </p:cxnSp>
-      <mc:AlternateContent xmlns:mc="http://schemas.openxmlformats.org/markup-compatibility/2006" xmlns:a14="http://schemas.microsoft.com/office/drawing/2010/main">
-        <mc:Choice Requires="a14">
+      <mc:AlternateContent xmlns:mc="http://schemas.openxmlformats.org/markup-compatibility/2006">
+        <mc:Choice xmlns:a14="http://schemas.microsoft.com/office/drawing/2010/main" Requires="a14">
           <p:sp>
             <p:nvSpPr>
               <p:cNvPr id="13" name="CuadroTexto 12">
@@ -12399,8 +12399,8 @@
             </p:nvSpPr>
             <p:spPr>
               <a:xfrm>
-                <a:off x="5712503" y="2241435"/>
-                <a:ext cx="417807" cy="276999"/>
+                <a:off x="5550829" y="2214158"/>
+                <a:ext cx="822789" cy="276999"/>
               </a:xfrm>
               <a:prstGeom prst="rect">
                 <a:avLst/>
@@ -12413,7 +12413,6 @@
               </a:bodyPr>
               <a:lstStyle/>
               <a:p>
-                <a:pPr/>
                 <a14:m>
                   <m:oMathPara xmlns:m="http://schemas.openxmlformats.org/officeDocument/2006/math">
                     <m:oMathParaPr>
@@ -12421,19 +12420,52 @@
                     </m:oMathParaPr>
                     <m:oMath xmlns:m="http://schemas.openxmlformats.org/officeDocument/2006/math">
                       <m:r>
-                        <a:rPr lang="es-CL" b="0" i="1" smtClean="0">
+                        <a:rPr lang="es-CL" i="1" smtClean="0">
                           <a:latin typeface="Cambria Math" panose="02040503050406030204" pitchFamily="18" charset="0"/>
                         </a:rPr>
                         <m:t>𝜆</m:t>
                       </m:r>
                       <m:r>
-                        <a:rPr lang="es-CL" b="0" i="1" smtClean="0">
+                        <a:rPr lang="es-CL" i="1" smtClean="0">
                           <a:latin typeface="Cambria Math" panose="02040503050406030204" pitchFamily="18" charset="0"/>
                         </a:rPr>
                         <m:t>, </m:t>
                       </m:r>
                       <m:r>
+                        <a:rPr lang="es-CL" i="1" smtClean="0">
+                          <a:latin typeface="Cambria Math" panose="02040503050406030204" pitchFamily="18" charset="0"/>
+                        </a:rPr>
+                        <m:t>𝑇</m:t>
+                      </m:r>
+                      <m:r>
                         <a:rPr lang="es-CL" b="0" i="1" smtClean="0">
+                          <a:latin typeface="Cambria Math" panose="02040503050406030204" pitchFamily="18" charset="0"/>
+                        </a:rPr>
+                        <m:t> </m:t>
+                      </m:r>
+                      <m:r>
+                        <a:rPr lang="es-CL" i="1" smtClean="0">
+                          <a:solidFill>
+                            <a:schemeClr val="bg1"/>
+                          </a:solidFill>
+                          <a:latin typeface="Cambria Math" panose="02040503050406030204" pitchFamily="18" charset="0"/>
+                        </a:rPr>
+                        <m:t>𝜆</m:t>
+                      </m:r>
+                      <m:r>
+                        <a:rPr lang="es-CL" i="1" smtClean="0">
+                          <a:solidFill>
+                            <a:schemeClr val="bg1"/>
+                          </a:solidFill>
+                          <a:latin typeface="Cambria Math" panose="02040503050406030204" pitchFamily="18" charset="0"/>
+                        </a:rPr>
+                        <m:t>, </m:t>
+                      </m:r>
+                      <m:r>
+                        <a:rPr lang="es-CL" i="1" smtClean="0">
+                          <a:solidFill>
+                            <a:schemeClr val="bg1"/>
+                          </a:solidFill>
                           <a:latin typeface="Cambria Math" panose="02040503050406030204" pitchFamily="18" charset="0"/>
                         </a:rPr>
                         <m:t>𝑇</m:t>
@@ -12446,7 +12478,7 @@
             </p:txBody>
           </p:sp>
         </mc:Choice>
-        <mc:Fallback xmlns="">
+        <mc:Fallback>
           <p:sp>
             <p:nvSpPr>
               <p:cNvPr id="13" name="CuadroTexto 12">
@@ -12463,16 +12495,16 @@
             </p:nvSpPr>
             <p:spPr>
               <a:xfrm>
-                <a:off x="5712503" y="2241435"/>
-                <a:ext cx="417807" cy="276999"/>
+                <a:off x="5550829" y="2214158"/>
+                <a:ext cx="822789" cy="276999"/>
               </a:xfrm>
               <a:prstGeom prst="rect">
                 <a:avLst/>
               </a:prstGeom>
               <a:blipFill>
-                <a:blip r:embed="rId6"/>
+                <a:blip r:embed="rId5"/>
                 <a:stretch>
-                  <a:fillRect l="-11594" r="-11594" b="-8889"/>
+                  <a:fillRect l="-5926" r="-5185" b="-6522"/>
                 </a:stretch>
               </a:blipFill>
             </p:spPr>
@@ -12491,8 +12523,8 @@
           </p:sp>
         </mc:Fallback>
       </mc:AlternateContent>
-      <mc:AlternateContent xmlns:mc="http://schemas.openxmlformats.org/markup-compatibility/2006" xmlns:a14="http://schemas.microsoft.com/office/drawing/2010/main">
-        <mc:Choice Requires="a14">
+      <mc:AlternateContent xmlns:mc="http://schemas.openxmlformats.org/markup-compatibility/2006">
+        <mc:Choice xmlns:a14="http://schemas.microsoft.com/office/drawing/2010/main" Requires="a14">
           <p:sp>
             <p:nvSpPr>
               <p:cNvPr id="14" name="CuadroTexto 13">
@@ -12507,8 +12539,8 @@
             </p:nvSpPr>
             <p:spPr>
               <a:xfrm>
-                <a:off x="5759540" y="2874435"/>
-                <a:ext cx="323422" cy="276999"/>
+                <a:off x="5527460" y="2884198"/>
+                <a:ext cx="582724" cy="553998"/>
               </a:xfrm>
               <a:prstGeom prst="rect">
                 <a:avLst/>
@@ -12521,28 +12553,43 @@
               </a:bodyPr>
               <a:lstStyle/>
               <a:p>
+                <a14:m>
+                  <m:oMath xmlns:m="http://schemas.openxmlformats.org/officeDocument/2006/math">
+                    <m:r>
+                      <a:rPr lang="es-CL" b="0" i="1" smtClean="0">
+                        <a:latin typeface="Cambria Math" panose="02040503050406030204" pitchFamily="18" charset="0"/>
+                      </a:rPr>
+                      <m:t>𝑝𝑝</m:t>
+                    </m:r>
+                  </m:oMath>
+                </a14:m>
+                <a:r>
+                  <a:rPr lang="es-CL" dirty="0"/>
+                  <a:t> </a:t>
+                </a:r>
+                <a14:m>
+                  <m:oMath xmlns:m="http://schemas.openxmlformats.org/officeDocument/2006/math">
+                    <m:r>
+                      <a:rPr lang="es-CL" i="1" smtClean="0">
+                        <a:solidFill>
+                          <a:schemeClr val="bg1"/>
+                        </a:solidFill>
+                        <a:latin typeface="Cambria Math" panose="02040503050406030204" pitchFamily="18" charset="0"/>
+                      </a:rPr>
+                      <m:t>𝑝𝑝</m:t>
+                    </m:r>
+                  </m:oMath>
+                </a14:m>
+                <a:endParaRPr lang="es-CL" dirty="0"/>
+              </a:p>
+              <a:p>
                 <a:pPr/>
-                <a14:m>
-                  <m:oMathPara xmlns:m="http://schemas.openxmlformats.org/officeDocument/2006/math">
-                    <m:oMathParaPr>
-                      <m:jc m:val="centerGroup"/>
-                    </m:oMathParaPr>
-                    <m:oMath xmlns:m="http://schemas.openxmlformats.org/officeDocument/2006/math">
-                      <m:r>
-                        <a:rPr lang="es-CL" b="0" i="1" smtClean="0">
-                          <a:latin typeface="Cambria Math" panose="02040503050406030204" pitchFamily="18" charset="0"/>
-                        </a:rPr>
-                        <m:t>𝑝𝑝</m:t>
-                      </m:r>
-                    </m:oMath>
-                  </m:oMathPara>
-                </a14:m>
                 <a:endParaRPr lang="es-CL" dirty="0"/>
               </a:p>
             </p:txBody>
           </p:sp>
         </mc:Choice>
-        <mc:Fallback xmlns="">
+        <mc:Fallback>
           <p:sp>
             <p:nvSpPr>
               <p:cNvPr id="14" name="CuadroTexto 13">
@@ -12559,16 +12606,16 @@
             </p:nvSpPr>
             <p:spPr>
               <a:xfrm>
-                <a:off x="5759540" y="2874435"/>
-                <a:ext cx="323422" cy="276999"/>
+                <a:off x="5527460" y="2884198"/>
+                <a:ext cx="582724" cy="553998"/>
               </a:xfrm>
               <a:prstGeom prst="rect">
                 <a:avLst/>
               </a:prstGeom>
               <a:blipFill>
-                <a:blip r:embed="rId7"/>
+                <a:blip r:embed="rId6"/>
                 <a:stretch>
-                  <a:fillRect l="-16981" r="-15094" b="-26667"/>
+                  <a:fillRect l="-14737" r="-13684"/>
                 </a:stretch>
               </a:blipFill>
             </p:spPr>
@@ -12603,8 +12650,8 @@
             </p:nvSpPr>
             <p:spPr>
               <a:xfrm>
-                <a:off x="5663296" y="3798299"/>
-                <a:ext cx="298928" cy="276999"/>
+                <a:off x="5558041" y="3812863"/>
+                <a:ext cx="533736" cy="276999"/>
               </a:xfrm>
               <a:prstGeom prst="rect">
                 <a:avLst/>
@@ -12619,38 +12666,75 @@
               <a:p>
                 <a:pPr/>
                 <a14:m>
-                  <m:oMathPara xmlns:m="http://schemas.openxmlformats.org/officeDocument/2006/math">
-                    <m:oMathParaPr>
-                      <m:jc m:val="centerGroup"/>
-                    </m:oMathParaPr>
-                    <m:oMath xmlns:m="http://schemas.openxmlformats.org/officeDocument/2006/math">
-                      <m:sSub>
-                        <m:sSubPr>
-                          <m:ctrlPr>
-                            <a:rPr lang="es-CL" b="0" i="1" smtClean="0">
-                              <a:latin typeface="Cambria Math" panose="02040503050406030204" pitchFamily="18" charset="0"/>
-                            </a:rPr>
-                          </m:ctrlPr>
-                        </m:sSubPr>
-                        <m:e>
-                          <m:r>
-                            <a:rPr lang="es-CL" b="0" i="1" smtClean="0">
-                              <a:latin typeface="Cambria Math" panose="02040503050406030204" pitchFamily="18" charset="0"/>
-                            </a:rPr>
-                            <m:t>𝑦</m:t>
-                          </m:r>
-                        </m:e>
-                        <m:sub>
-                          <m:r>
-                            <a:rPr lang="es-CL" b="0" i="1" smtClean="0">
-                              <a:latin typeface="Cambria Math" panose="02040503050406030204" pitchFamily="18" charset="0"/>
-                            </a:rPr>
-                            <m:t>𝐴</m:t>
-                          </m:r>
-                        </m:sub>
-                      </m:sSub>
-                    </m:oMath>
-                  </m:oMathPara>
+                  <m:oMath xmlns:m="http://schemas.openxmlformats.org/officeDocument/2006/math">
+                    <m:sSub>
+                      <m:sSubPr>
+                        <m:ctrlPr>
+                          <a:rPr lang="es-CL" b="0" i="1" smtClean="0">
+                            <a:latin typeface="Cambria Math" panose="02040503050406030204" pitchFamily="18" charset="0"/>
+                          </a:rPr>
+                        </m:ctrlPr>
+                      </m:sSubPr>
+                      <m:e>
+                        <m:r>
+                          <a:rPr lang="es-CL" b="0" i="1" smtClean="0">
+                            <a:latin typeface="Cambria Math" panose="02040503050406030204" pitchFamily="18" charset="0"/>
+                          </a:rPr>
+                          <m:t>𝑦</m:t>
+                        </m:r>
+                      </m:e>
+                      <m:sub>
+                        <m:r>
+                          <a:rPr lang="es-CL" b="0" i="1" smtClean="0">
+                            <a:latin typeface="Cambria Math" panose="02040503050406030204" pitchFamily="18" charset="0"/>
+                          </a:rPr>
+                          <m:t>𝐴</m:t>
+                        </m:r>
+                      </m:sub>
+                    </m:sSub>
+                  </m:oMath>
+                </a14:m>
+                <a:r>
+                  <a:rPr lang="es-CL" b="0" dirty="0"/>
+                  <a:t> </a:t>
+                </a:r>
+                <a14:m>
+                  <m:oMath xmlns:m="http://schemas.openxmlformats.org/officeDocument/2006/math">
+                    <m:sSub>
+                      <m:sSubPr>
+                        <m:ctrlPr>
+                          <a:rPr lang="es-CL" i="1" smtClean="0">
+                            <a:solidFill>
+                              <a:schemeClr val="bg1"/>
+                            </a:solidFill>
+                            <a:latin typeface="Cambria Math" panose="02040503050406030204" pitchFamily="18" charset="0"/>
+                          </a:rPr>
+                        </m:ctrlPr>
+                      </m:sSubPr>
+                      <m:e>
+                        <m:r>
+                          <a:rPr lang="es-CL" i="1">
+                            <a:solidFill>
+                              <a:schemeClr val="bg1"/>
+                            </a:solidFill>
+                            <a:latin typeface="Cambria Math" panose="02040503050406030204" pitchFamily="18" charset="0"/>
+                          </a:rPr>
+                          <m:t>𝑦</m:t>
+                        </m:r>
+                      </m:e>
+                      <m:sub>
+                        <m:r>
+                          <a:rPr lang="es-CL" i="1">
+                            <a:solidFill>
+                              <a:schemeClr val="bg1"/>
+                            </a:solidFill>
+                            <a:latin typeface="Cambria Math" panose="02040503050406030204" pitchFamily="18" charset="0"/>
+                          </a:rPr>
+                          <m:t>𝐴</m:t>
+                        </m:r>
+                      </m:sub>
+                    </m:sSub>
+                  </m:oMath>
                 </a14:m>
                 <a:endParaRPr lang="es-CL" b="0" dirty="0"/>
               </a:p>
@@ -12674,16 +12758,16 @@
             </p:nvSpPr>
             <p:spPr>
               <a:xfrm>
-                <a:off x="5663296" y="3798299"/>
-                <a:ext cx="298928" cy="276999"/>
+                <a:off x="5558041" y="3812863"/>
+                <a:ext cx="533736" cy="276999"/>
               </a:xfrm>
               <a:prstGeom prst="rect">
                 <a:avLst/>
               </a:prstGeom>
               <a:blipFill>
-                <a:blip r:embed="rId8"/>
+                <a:blip r:embed="rId7"/>
                 <a:stretch>
-                  <a:fillRect l="-18367" r="-6122" b="-23913"/>
+                  <a:fillRect l="-16092" r="-8046" b="-23913"/>
                 </a:stretch>
               </a:blipFill>
             </p:spPr>
@@ -12717,13 +12801,13 @@
           <p:nvPr/>
         </p:nvPicPr>
         <p:blipFill>
-          <a:blip r:embed="rId9">
+          <a:blip r:embed="rId8">
             <a:extLst>
               <a:ext uri="{28A0092B-C50C-407E-A947-70E740481C1C}">
                 <a14:useLocalDpi xmlns:a14="http://schemas.microsoft.com/office/drawing/2010/main" val="0"/>
               </a:ext>
               <a:ext uri="{837473B0-CC2E-450A-ABE3-18F120FF3D39}">
-                <a1611:picAttrSrcUrl xmlns:a1611="http://schemas.microsoft.com/office/drawing/2016/11/main" r:id="rId10"/>
+                <a1611:picAttrSrcUrl xmlns:a1611="http://schemas.microsoft.com/office/drawing/2016/11/main" r:id="rId9"/>
               </a:ext>
             </a:extLst>
           </a:blip>
